--- a/java/Java SE的整体知识结构.pptx
+++ b/java/Java SE的整体知识结构.pptx
@@ -5474,7 +5474,7 @@
         </p:nvSpPr>
         <p:spPr>
           <a:xfrm>
-            <a:off x="202565" y="1167130"/>
+            <a:off x="474980" y="1167130"/>
             <a:ext cx="1508760" cy="266065"/>
           </a:xfrm>
           <a:prstGeom prst="rect">
@@ -5519,7 +5519,7 @@
         </p:nvSpPr>
         <p:spPr>
           <a:xfrm>
-            <a:off x="202565" y="1688465"/>
+            <a:off x="474980" y="1688465"/>
             <a:ext cx="1508760" cy="266065"/>
           </a:xfrm>
           <a:prstGeom prst="rect">
@@ -5564,7 +5564,7 @@
         </p:nvSpPr>
         <p:spPr>
           <a:xfrm>
-            <a:off x="202565" y="2154555"/>
+            <a:off x="474980" y="2154555"/>
             <a:ext cx="1508760" cy="266065"/>
           </a:xfrm>
           <a:prstGeom prst="rect">
@@ -5609,7 +5609,7 @@
         </p:nvSpPr>
         <p:spPr>
           <a:xfrm>
-            <a:off x="202565" y="2599055"/>
+            <a:off x="474980" y="2599055"/>
             <a:ext cx="1508760" cy="266065"/>
           </a:xfrm>
           <a:prstGeom prst="rect">
@@ -5654,7 +5654,7 @@
         </p:nvSpPr>
         <p:spPr>
           <a:xfrm>
-            <a:off x="202565" y="3105150"/>
+            <a:off x="474980" y="3105150"/>
             <a:ext cx="1508760" cy="266065"/>
           </a:xfrm>
           <a:prstGeom prst="rect">
@@ -5699,7 +5699,7 @@
         </p:nvSpPr>
         <p:spPr>
           <a:xfrm>
-            <a:off x="202565" y="3642995"/>
+            <a:off x="474980" y="3642995"/>
             <a:ext cx="1508760" cy="266065"/>
           </a:xfrm>
           <a:prstGeom prst="rect">
@@ -5744,7 +5744,7 @@
         </p:nvSpPr>
         <p:spPr>
           <a:xfrm>
-            <a:off x="202565" y="4180840"/>
+            <a:off x="474980" y="4180840"/>
             <a:ext cx="1508760" cy="266065"/>
           </a:xfrm>
           <a:prstGeom prst="rect">
@@ -5789,7 +5789,7 @@
         </p:nvSpPr>
         <p:spPr>
           <a:xfrm>
-            <a:off x="202565" y="4608195"/>
+            <a:off x="474980" y="4608195"/>
             <a:ext cx="1508760" cy="266065"/>
           </a:xfrm>
           <a:prstGeom prst="rect">
@@ -5830,7 +5830,7 @@
         </p:nvSpPr>
         <p:spPr>
           <a:xfrm>
-            <a:off x="202565" y="5060950"/>
+            <a:off x="474980" y="5060950"/>
             <a:ext cx="1508760" cy="266065"/>
           </a:xfrm>
           <a:prstGeom prst="rect">
@@ -5875,7 +5875,7 @@
         </p:nvSpPr>
         <p:spPr>
           <a:xfrm>
-            <a:off x="202565" y="5514340"/>
+            <a:off x="474980" y="5514340"/>
             <a:ext cx="1508760" cy="266065"/>
           </a:xfrm>
           <a:prstGeom prst="rect">
@@ -5920,7 +5920,7 @@
         </p:nvSpPr>
         <p:spPr>
           <a:xfrm>
-            <a:off x="202565" y="5993130"/>
+            <a:off x="474980" y="5993130"/>
             <a:ext cx="1508760" cy="266065"/>
           </a:xfrm>
           <a:prstGeom prst="rect">
@@ -5965,7 +5965,7 @@
         </p:nvSpPr>
         <p:spPr>
           <a:xfrm>
-            <a:off x="2294255" y="1167130"/>
+            <a:off x="2566670" y="1167130"/>
             <a:ext cx="1508760" cy="266065"/>
           </a:xfrm>
           <a:prstGeom prst="rect">
@@ -6010,7 +6010,7 @@
         </p:nvSpPr>
         <p:spPr>
           <a:xfrm>
-            <a:off x="2294255" y="1688465"/>
+            <a:off x="2566670" y="1688465"/>
             <a:ext cx="1602740" cy="266065"/>
           </a:xfrm>
           <a:prstGeom prst="rect">
@@ -6063,7 +6063,7 @@
         </p:nvSpPr>
         <p:spPr>
           <a:xfrm>
-            <a:off x="2294255" y="2154555"/>
+            <a:off x="2566670" y="2154555"/>
             <a:ext cx="1602740" cy="266065"/>
           </a:xfrm>
           <a:prstGeom prst="rect">
@@ -6108,7 +6108,7 @@
         </p:nvSpPr>
         <p:spPr>
           <a:xfrm>
-            <a:off x="2294255" y="2599055"/>
+            <a:off x="2566670" y="2599055"/>
             <a:ext cx="2254885" cy="266065"/>
           </a:xfrm>
           <a:prstGeom prst="rect">
@@ -6153,7 +6153,7 @@
         </p:nvSpPr>
         <p:spPr>
           <a:xfrm>
-            <a:off x="2294255" y="3105150"/>
+            <a:off x="2566670" y="3105150"/>
             <a:ext cx="2254885" cy="266065"/>
           </a:xfrm>
           <a:prstGeom prst="rect">
@@ -6204,7 +6204,7 @@
         </p:nvSpPr>
         <p:spPr>
           <a:xfrm>
-            <a:off x="2294255" y="3642995"/>
+            <a:off x="2566670" y="3642995"/>
             <a:ext cx="2254885" cy="266065"/>
           </a:xfrm>
           <a:prstGeom prst="rect">
@@ -6255,7 +6255,7 @@
         </p:nvSpPr>
         <p:spPr>
           <a:xfrm>
-            <a:off x="2294255" y="4180840"/>
+            <a:off x="2566670" y="4180840"/>
             <a:ext cx="2254885" cy="266065"/>
           </a:xfrm>
           <a:prstGeom prst="rect">
@@ -6306,7 +6306,7 @@
         </p:nvSpPr>
         <p:spPr>
           <a:xfrm>
-            <a:off x="2294255" y="4608195"/>
+            <a:off x="2566670" y="4608195"/>
             <a:ext cx="2254885" cy="266065"/>
           </a:xfrm>
           <a:prstGeom prst="rect">
@@ -6351,7 +6351,7 @@
         </p:nvSpPr>
         <p:spPr>
           <a:xfrm>
-            <a:off x="2294255" y="5060950"/>
+            <a:off x="2566670" y="5060950"/>
             <a:ext cx="2254885" cy="266065"/>
           </a:xfrm>
           <a:prstGeom prst="rect">
@@ -6745,7 +6745,7 @@
         </p:nvSpPr>
         <p:spPr>
           <a:xfrm>
-            <a:off x="256540" y="1819275"/>
+            <a:off x="256540" y="2174240"/>
             <a:ext cx="1329690" cy="360045"/>
           </a:xfrm>
           <a:prstGeom prst="rect">
@@ -6790,7 +6790,7 @@
         </p:nvSpPr>
         <p:spPr>
           <a:xfrm>
-            <a:off x="256540" y="4120515"/>
+            <a:off x="256540" y="4475480"/>
             <a:ext cx="1329690" cy="360045"/>
           </a:xfrm>
           <a:prstGeom prst="rect">
@@ -6835,7 +6835,7 @@
         </p:nvSpPr>
         <p:spPr>
           <a:xfrm>
-            <a:off x="4218940" y="4108450"/>
+            <a:off x="4218940" y="4463415"/>
             <a:ext cx="1329690" cy="360045"/>
           </a:xfrm>
           <a:prstGeom prst="rect">
@@ -6880,7 +6880,7 @@
         </p:nvSpPr>
         <p:spPr>
           <a:xfrm>
-            <a:off x="1657350" y="1003935"/>
+            <a:off x="1657350" y="1358900"/>
             <a:ext cx="75565" cy="1990725"/>
           </a:xfrm>
           <a:prstGeom prst="leftBrace">
@@ -6920,7 +6920,7 @@
         </p:nvSpPr>
         <p:spPr>
           <a:xfrm>
-            <a:off x="1792605" y="1107440"/>
+            <a:off x="1792605" y="1462405"/>
             <a:ext cx="1176020" cy="2091690"/>
           </a:xfrm>
           <a:prstGeom prst="rect">
@@ -7037,7 +7037,7 @@
         </p:nvSpPr>
         <p:spPr>
           <a:xfrm>
-            <a:off x="1657350" y="3383280"/>
+            <a:off x="1657350" y="3738245"/>
             <a:ext cx="76200" cy="1810385"/>
           </a:xfrm>
           <a:prstGeom prst="leftBrace">
@@ -7077,7 +7077,7 @@
         </p:nvSpPr>
         <p:spPr>
           <a:xfrm>
-            <a:off x="1792605" y="3432810"/>
+            <a:off x="1792605" y="3787775"/>
             <a:ext cx="1544320" cy="1783715"/>
           </a:xfrm>
           <a:prstGeom prst="rect">
@@ -7180,7 +7180,7 @@
         </p:nvSpPr>
         <p:spPr>
           <a:xfrm>
-            <a:off x="4218940" y="1819275"/>
+            <a:off x="4218940" y="2174240"/>
             <a:ext cx="1329690" cy="360045"/>
           </a:xfrm>
           <a:prstGeom prst="rect">
@@ -7221,7 +7221,7 @@
         </p:nvSpPr>
         <p:spPr>
           <a:xfrm>
-            <a:off x="5626100" y="1003935"/>
+            <a:off x="5626100" y="1358900"/>
             <a:ext cx="75565" cy="1990725"/>
           </a:xfrm>
           <a:prstGeom prst="leftBrace">
@@ -7261,7 +7261,7 @@
         </p:nvSpPr>
         <p:spPr>
           <a:xfrm>
-            <a:off x="5701665" y="1414780"/>
+            <a:off x="5701665" y="1769745"/>
             <a:ext cx="1407795" cy="1168400"/>
           </a:xfrm>
           <a:prstGeom prst="rect">
@@ -7332,7 +7332,7 @@
         </p:nvSpPr>
         <p:spPr>
           <a:xfrm>
-            <a:off x="5626100" y="3293110"/>
+            <a:off x="5626100" y="3648075"/>
             <a:ext cx="75565" cy="1990725"/>
           </a:xfrm>
           <a:prstGeom prst="leftBrace">
@@ -7372,7 +7372,7 @@
         </p:nvSpPr>
         <p:spPr>
           <a:xfrm>
-            <a:off x="5701665" y="3312160"/>
+            <a:off x="5701665" y="3667125"/>
             <a:ext cx="1656080" cy="1476375"/>
           </a:xfrm>
           <a:prstGeom prst="rect">
@@ -7453,7 +7453,7 @@
         </p:nvSpPr>
         <p:spPr>
           <a:xfrm>
-            <a:off x="7477125" y="1818640"/>
+            <a:off x="7477125" y="2173605"/>
             <a:ext cx="1329690" cy="360045"/>
           </a:xfrm>
           <a:prstGeom prst="rect">
@@ -7498,7 +7498,7 @@
         </p:nvSpPr>
         <p:spPr>
           <a:xfrm>
-            <a:off x="7477125" y="2994660"/>
+            <a:off x="7477125" y="3349625"/>
             <a:ext cx="1329690" cy="360045"/>
           </a:xfrm>
           <a:prstGeom prst="rect">
@@ -7543,7 +7543,7 @@
         </p:nvSpPr>
         <p:spPr>
           <a:xfrm>
-            <a:off x="7477125" y="4305300"/>
+            <a:off x="7477125" y="4660265"/>
             <a:ext cx="1329690" cy="360045"/>
           </a:xfrm>
           <a:prstGeom prst="rect">
@@ -7573,6 +7573,47 @@
               <a:t>网络编程</a:t>
             </a:r>
             <a:endParaRPr lang="zh-CN" sz="1000"/>
+          </a:p>
+        </p:txBody>
+      </p:sp>
+      <p:sp>
+        <p:nvSpPr>
+          <p:cNvPr id="8" name="矩形 7"/>
+          <p:cNvSpPr/>
+          <p:nvPr/>
+        </p:nvSpPr>
+        <p:spPr>
+          <a:xfrm>
+            <a:off x="202565" y="850900"/>
+            <a:ext cx="2110740" cy="236220"/>
+          </a:xfrm>
+          <a:prstGeom prst="rect">
+            <a:avLst/>
+          </a:prstGeom>
+        </p:spPr>
+        <p:style>
+          <a:lnRef idx="2">
+            <a:schemeClr val="accent6"/>
+          </a:lnRef>
+          <a:fillRef idx="1">
+            <a:schemeClr val="lt1"/>
+          </a:fillRef>
+          <a:effectRef idx="0">
+            <a:schemeClr val="accent6"/>
+          </a:effectRef>
+          <a:fontRef idx="minor">
+            <a:schemeClr val="dk1"/>
+          </a:fontRef>
+        </p:style>
+        <p:txBody>
+          <a:bodyPr rtlCol="0" anchor="ctr"/>
+          <a:p>
+            <a:pPr algn="l"/>
+            <a:r>
+              <a:rPr lang="zh-CN" altLang="en-US" sz="1000"/>
+              <a:t>熟练记住各个类和接口的继承结构</a:t>
+            </a:r>
+            <a:endParaRPr lang="zh-CN" altLang="en-US" sz="1000"/>
           </a:p>
         </p:txBody>
       </p:sp>
